--- a/일잘러/4_파워포인트/Presentation_with_list.pptx
+++ b/일잘러/4_파워포인트/Presentation_with_list.pptx
@@ -6,6 +6,8 @@
   </p:sldMasterIdLst>
   <p:sldIdLst>
     <p:sldId id="256" r:id="rId7"/>
+    <p:sldId id="257" r:id="rId8"/>
+    <p:sldId id="258" r:id="rId9"/>
   </p:sldIdLst>
   <p:sldSz cx="9144000" cy="6858000" type="screen4x3"/>
   <p:notesSz cx="6858000" cy="9144000"/>
@@ -3104,7 +3106,7 @@
           <a:lstStyle/>
           <a:p>
             <a:r>
-              <a:t>파이썬의 장점</a:t>
+              <a:t>파이썬의 장점1</a:t>
             </a:r>
           </a:p>
         </p:txBody>
@@ -3129,25 +3131,133 @@
             </a:r>
           </a:p>
           <a:p>
-            <a:pPr lvl="1"/>
+            <a:pPr/>
             <a:r>
               <a:t>직관적인 문법</a:t>
             </a:r>
           </a:p>
+        </p:txBody>
+      </p:sp>
+    </p:spTree>
+  </p:cSld>
+  <p:clrMapOvr>
+    <a:masterClrMapping/>
+  </p:clrMapOvr>
+</p:sld>
+</file>
+
+<file path=ppt/slides/slide2.xml><?xml version="1.0" encoding="utf-8"?>
+<p:sld xmlns:a="http://schemas.openxmlformats.org/drawingml/2006/main" xmlns:p="http://schemas.openxmlformats.org/presentationml/2006/main" xmlns:r="http://schemas.openxmlformats.org/officeDocument/2006/relationships">
+  <p:cSld>
+    <p:spTree>
+      <p:nvGrpSpPr>
+        <p:cNvPr id="1" name=""/>
+        <p:cNvGrpSpPr/>
+        <p:nvPr/>
+      </p:nvGrpSpPr>
+      <p:grpSpPr/>
+      <p:sp>
+        <p:nvSpPr>
+          <p:cNvPr id="2" name="Title 1"/>
+          <p:cNvSpPr>
+            <a:spLocks noGrp="1"/>
+          </p:cNvSpPr>
+          <p:nvPr>
+            <p:ph type="title"/>
+          </p:nvPr>
+        </p:nvSpPr>
+        <p:spPr/>
+        <p:txBody>
+          <a:bodyPr/>
+          <a:lstStyle/>
+          <a:p>
+            <a:r>
+              <a:t>파이썬의 장점2</a:t>
+            </a:r>
+          </a:p>
+        </p:txBody>
+      </p:sp>
+      <p:sp>
+        <p:nvSpPr>
+          <p:cNvPr id="3" name="Content Placeholder 2"/>
+          <p:cNvSpPr>
+            <a:spLocks noGrp="1"/>
+          </p:cNvSpPr>
+          <p:nvPr>
+            <p:ph idx="1"/>
+          </p:nvPr>
+        </p:nvSpPr>
+        <p:spPr/>
+        <p:txBody>
+          <a:bodyPr/>
+          <a:lstStyle/>
+          <a:p>
+            <a:r>
+              <a:t>높은 생산성</a:t>
+            </a:r>
+          </a:p>
           <a:p>
             <a:pPr/>
             <a:r>
-              <a:t>높은 생산성</a:t>
-            </a:r>
-          </a:p>
-          <a:p>
-            <a:pPr lvl="1"/>
-            <a:r>
               <a:t>빠른 개발 속도</a:t>
             </a:r>
           </a:p>
-          <a:p>
-            <a:pPr/>
+        </p:txBody>
+      </p:sp>
+    </p:spTree>
+  </p:cSld>
+  <p:clrMapOvr>
+    <a:masterClrMapping/>
+  </p:clrMapOvr>
+</p:sld>
+</file>
+
+<file path=ppt/slides/slide3.xml><?xml version="1.0" encoding="utf-8"?>
+<p:sld xmlns:a="http://schemas.openxmlformats.org/drawingml/2006/main" xmlns:p="http://schemas.openxmlformats.org/presentationml/2006/main" xmlns:r="http://schemas.openxmlformats.org/officeDocument/2006/relationships">
+  <p:cSld>
+    <p:spTree>
+      <p:nvGrpSpPr>
+        <p:cNvPr id="1" name=""/>
+        <p:cNvGrpSpPr/>
+        <p:nvPr/>
+      </p:nvGrpSpPr>
+      <p:grpSpPr/>
+      <p:sp>
+        <p:nvSpPr>
+          <p:cNvPr id="2" name="Title 1"/>
+          <p:cNvSpPr>
+            <a:spLocks noGrp="1"/>
+          </p:cNvSpPr>
+          <p:nvPr>
+            <p:ph type="title"/>
+          </p:nvPr>
+        </p:nvSpPr>
+        <p:spPr/>
+        <p:txBody>
+          <a:bodyPr/>
+          <a:lstStyle/>
+          <a:p>
+            <a:r>
+              <a:t>파이썬의 장점3</a:t>
+            </a:r>
+          </a:p>
+        </p:txBody>
+      </p:sp>
+      <p:sp>
+        <p:nvSpPr>
+          <p:cNvPr id="3" name="Content Placeholder 2"/>
+          <p:cNvSpPr>
+            <a:spLocks noGrp="1"/>
+          </p:cNvSpPr>
+          <p:nvPr>
+            <p:ph idx="1"/>
+          </p:nvPr>
+        </p:nvSpPr>
+        <p:spPr/>
+        <p:txBody>
+          <a:bodyPr/>
+          <a:lstStyle/>
+          <a:p>
             <a:r>
               <a:t>다양한 라이브러리와 프레임워크</a:t>
             </a:r>
